--- a/slides/SDP_final.pptx
+++ b/slides/SDP_final.pptx
@@ -6,12 +6,22 @@
   </p:sldMasterIdLst>
   <p:sldIdLst>
     <p:sldId id="256" r:id="rId2"/>
-    <p:sldId id="257" r:id="rId3"/>
-    <p:sldId id="258" r:id="rId4"/>
-    <p:sldId id="259" r:id="rId5"/>
-    <p:sldId id="267" r:id="rId6"/>
-    <p:sldId id="266" r:id="rId7"/>
-    <p:sldId id="263" r:id="rId8"/>
+    <p:sldId id="271" r:id="rId3"/>
+    <p:sldId id="257" r:id="rId4"/>
+    <p:sldId id="258" r:id="rId5"/>
+    <p:sldId id="259" r:id="rId6"/>
+    <p:sldId id="267" r:id="rId7"/>
+    <p:sldId id="266" r:id="rId8"/>
+    <p:sldId id="263" r:id="rId9"/>
+    <p:sldId id="268" r:id="rId10"/>
+    <p:sldId id="275" r:id="rId11"/>
+    <p:sldId id="269" r:id="rId12"/>
+    <p:sldId id="270" r:id="rId13"/>
+    <p:sldId id="276" r:id="rId14"/>
+    <p:sldId id="277" r:id="rId15"/>
+    <p:sldId id="278" r:id="rId16"/>
+    <p:sldId id="273" r:id="rId17"/>
+    <p:sldId id="272" r:id="rId18"/>
   </p:sldIdLst>
   <p:sldSz cx="12192000" cy="6858000"/>
   <p:notesSz cx="6858000" cy="9144000"/>
@@ -6044,7 +6054,1350 @@
 </p:sld>
 </file>
 
+<file path=ppt/slides/slide10.xml><?xml version="1.0" encoding="utf-8"?>
+<p:sld xmlns:a="http://schemas.openxmlformats.org/drawingml/2006/main" xmlns:r="http://schemas.openxmlformats.org/officeDocument/2006/relationships" xmlns:p="http://schemas.openxmlformats.org/presentationml/2006/main">
+  <p:cSld>
+    <p:spTree>
+      <p:nvGrpSpPr>
+        <p:cNvPr id="1" name=""/>
+        <p:cNvGrpSpPr/>
+        <p:nvPr/>
+      </p:nvGrpSpPr>
+      <p:grpSpPr>
+        <a:xfrm>
+          <a:off x="0" y="0"/>
+          <a:ext cx="0" cy="0"/>
+          <a:chOff x="0" y="0"/>
+          <a:chExt cx="0" cy="0"/>
+        </a:xfrm>
+      </p:grpSpPr>
+      <p:sp>
+        <p:nvSpPr>
+          <p:cNvPr id="2" name="Titolo 1"/>
+          <p:cNvSpPr>
+            <a:spLocks noGrp="1"/>
+          </p:cNvSpPr>
+          <p:nvPr>
+            <p:ph type="title"/>
+          </p:nvPr>
+        </p:nvSpPr>
+        <p:spPr/>
+        <p:txBody>
+          <a:bodyPr>
+            <a:normAutofit/>
+          </a:bodyPr>
+          <a:lstStyle/>
+          <a:p>
+            <a:pPr algn="ctr"/>
+            <a:r>
+              <a:rPr lang="it-IT" sz="5400" dirty="0">
+                <a:solidFill>
+                  <a:schemeClr val="accent2"/>
+                </a:solidFill>
+              </a:rPr>
+              <a:t>Communications</a:t>
+            </a:r>
+            <a:endParaRPr lang="it-IT" sz="5400" dirty="0"/>
+          </a:p>
+        </p:txBody>
+      </p:sp>
+      <p:sp>
+        <p:nvSpPr>
+          <p:cNvPr id="3" name="Segnaposto contenuto 2"/>
+          <p:cNvSpPr>
+            <a:spLocks noGrp="1"/>
+          </p:cNvSpPr>
+          <p:nvPr>
+            <p:ph idx="1"/>
+          </p:nvPr>
+        </p:nvSpPr>
+        <p:spPr>
+          <a:xfrm>
+            <a:off x="677334" y="1774509"/>
+            <a:ext cx="8596668" cy="3880773"/>
+          </a:xfrm>
+        </p:spPr>
+        <p:txBody>
+          <a:bodyPr>
+            <a:normAutofit/>
+          </a:bodyPr>
+          <a:lstStyle/>
+          <a:p>
+            <a:r>
+              <a:rPr lang="it-IT" sz="2800" dirty="0"/>
+              <a:t>In </a:t>
+            </a:r>
+            <a:r>
+              <a:rPr lang="it-IT" sz="2800" dirty="0" err="1"/>
+              <a:t>person</a:t>
+            </a:r>
+            <a:r>
+              <a:rPr lang="it-IT" sz="2800" dirty="0"/>
+              <a:t> meeting</a:t>
+            </a:r>
+          </a:p>
+          <a:p>
+            <a:r>
+              <a:rPr lang="it-IT" sz="2800" dirty="0"/>
+              <a:t>Skype, </a:t>
+            </a:r>
+            <a:r>
+              <a:rPr lang="it-IT" sz="2800" dirty="0" err="1"/>
+              <a:t>Whatsapp</a:t>
+            </a:r>
+            <a:r>
+              <a:rPr lang="it-IT" sz="2800" dirty="0"/>
+              <a:t>, </a:t>
+            </a:r>
+            <a:r>
+              <a:rPr lang="it-IT" sz="2800" dirty="0" err="1"/>
+              <a:t>Telegram</a:t>
+            </a:r>
+            <a:r>
+              <a:rPr lang="it-IT" sz="2800" dirty="0"/>
+              <a:t>, email</a:t>
+            </a:r>
+          </a:p>
+          <a:p>
+            <a:r>
+              <a:rPr lang="it-IT" sz="2800" dirty="0"/>
+              <a:t>GIT and </a:t>
+            </a:r>
+            <a:r>
+              <a:rPr lang="it-IT" sz="2800" dirty="0" err="1"/>
+              <a:t>Redmine</a:t>
+            </a:r>
+            <a:r>
+              <a:rPr lang="it-IT" sz="2800" dirty="0"/>
+              <a:t> </a:t>
+            </a:r>
+            <a:r>
+              <a:rPr lang="it-IT" sz="2800" dirty="0" err="1"/>
+              <a:t>platform</a:t>
+            </a:r>
+            <a:endParaRPr lang="it-IT" sz="2800" dirty="0"/>
+          </a:p>
+        </p:txBody>
+      </p:sp>
+      <p:pic>
+        <p:nvPicPr>
+          <p:cNvPr id="4" name="Immagine 3" descr="Free illustration: &lt;strong&gt;Meeting&lt;/strong&gt;, Relationship, Business - Free Image on ..."/>
+          <p:cNvPicPr>
+            <a:picLocks noChangeAspect="1"/>
+          </p:cNvPicPr>
+          <p:nvPr/>
+        </p:nvPicPr>
+        <p:blipFill>
+          <a:blip r:embed="rId2"/>
+          <a:stretch>
+            <a:fillRect/>
+          </a:stretch>
+        </p:blipFill>
+        <p:spPr>
+          <a:xfrm>
+            <a:off x="1106866" y="3840480"/>
+            <a:ext cx="3526094" cy="2516015"/>
+          </a:xfrm>
+          <a:prstGeom prst="rect">
+            <a:avLst/>
+          </a:prstGeom>
+        </p:spPr>
+      </p:pic>
+      <p:pic>
+        <p:nvPicPr>
+          <p:cNvPr id="5" name="Immagine 4" descr="Free illustration: &lt;strong&gt;Meeting&lt;/strong&gt;, Talk, Entertainment - Free Image on ..."/>
+          <p:cNvPicPr>
+            <a:picLocks noChangeAspect="1"/>
+          </p:cNvPicPr>
+          <p:nvPr/>
+        </p:nvPicPr>
+        <p:blipFill>
+          <a:blip r:embed="rId3"/>
+          <a:stretch>
+            <a:fillRect/>
+          </a:stretch>
+        </p:blipFill>
+        <p:spPr>
+          <a:xfrm>
+            <a:off x="6431280" y="3081242"/>
+            <a:ext cx="3464478" cy="3464478"/>
+          </a:xfrm>
+          <a:prstGeom prst="rect">
+            <a:avLst/>
+          </a:prstGeom>
+        </p:spPr>
+      </p:pic>
+    </p:spTree>
+    <p:extLst>
+      <p:ext uri="{BB962C8B-B14F-4D97-AF65-F5344CB8AC3E}">
+        <p14:creationId xmlns:p14="http://schemas.microsoft.com/office/powerpoint/2010/main" val="1207857051"/>
+      </p:ext>
+    </p:extLst>
+  </p:cSld>
+  <p:clrMapOvr>
+    <a:masterClrMapping/>
+  </p:clrMapOvr>
+</p:sld>
+</file>
+
+<file path=ppt/slides/slide11.xml><?xml version="1.0" encoding="utf-8"?>
+<p:sld xmlns:a="http://schemas.openxmlformats.org/drawingml/2006/main" xmlns:r="http://schemas.openxmlformats.org/officeDocument/2006/relationships" xmlns:p="http://schemas.openxmlformats.org/presentationml/2006/main">
+  <p:cSld>
+    <p:spTree>
+      <p:nvGrpSpPr>
+        <p:cNvPr id="1" name=""/>
+        <p:cNvGrpSpPr/>
+        <p:nvPr/>
+      </p:nvGrpSpPr>
+      <p:grpSpPr>
+        <a:xfrm>
+          <a:off x="0" y="0"/>
+          <a:ext cx="0" cy="0"/>
+          <a:chOff x="0" y="0"/>
+          <a:chExt cx="0" cy="0"/>
+        </a:xfrm>
+      </p:grpSpPr>
+      <p:sp>
+        <p:nvSpPr>
+          <p:cNvPr id="2" name="Titolo 1"/>
+          <p:cNvSpPr>
+            <a:spLocks noGrp="1"/>
+          </p:cNvSpPr>
+          <p:nvPr>
+            <p:ph type="title"/>
+          </p:nvPr>
+        </p:nvSpPr>
+        <p:spPr>
+          <a:xfrm>
+            <a:off x="1022774" y="314960"/>
+            <a:ext cx="8596668" cy="1320800"/>
+          </a:xfrm>
+        </p:spPr>
+        <p:txBody>
+          <a:bodyPr/>
+          <a:lstStyle/>
+          <a:p>
+            <a:pPr algn="ctr"/>
+            <a:r>
+              <a:rPr lang="it-IT" sz="5400" dirty="0">
+                <a:solidFill>
+                  <a:schemeClr val="accent2"/>
+                </a:solidFill>
+              </a:rPr>
+              <a:t>GITHUB</a:t>
+            </a:r>
+            <a:endParaRPr lang="it-IT" sz="5400" dirty="0"/>
+          </a:p>
+        </p:txBody>
+      </p:sp>
+      <p:sp>
+        <p:nvSpPr>
+          <p:cNvPr id="5" name="Segnaposto contenuto 4"/>
+          <p:cNvSpPr>
+            <a:spLocks noGrp="1"/>
+          </p:cNvSpPr>
+          <p:nvPr>
+            <p:ph idx="1"/>
+          </p:nvPr>
+        </p:nvSpPr>
+        <p:spPr/>
+        <p:txBody>
+          <a:bodyPr/>
+          <a:lstStyle/>
+          <a:p>
+            <a:endParaRPr lang="it-IT"/>
+          </a:p>
+        </p:txBody>
+      </p:sp>
+      <p:pic>
+        <p:nvPicPr>
+          <p:cNvPr id="8" name="Immagine 7"/>
+          <p:cNvPicPr>
+            <a:picLocks noChangeAspect="1"/>
+          </p:cNvPicPr>
+          <p:nvPr/>
+        </p:nvPicPr>
+        <p:blipFill>
+          <a:blip r:embed="rId2"/>
+          <a:stretch>
+            <a:fillRect/>
+          </a:stretch>
+        </p:blipFill>
+        <p:spPr>
+          <a:xfrm>
+            <a:off x="380166" y="1420860"/>
+            <a:ext cx="10582474" cy="5274580"/>
+          </a:xfrm>
+          <a:prstGeom prst="rect">
+            <a:avLst/>
+          </a:prstGeom>
+        </p:spPr>
+      </p:pic>
+    </p:spTree>
+    <p:extLst>
+      <p:ext uri="{BB962C8B-B14F-4D97-AF65-F5344CB8AC3E}">
+        <p14:creationId xmlns:p14="http://schemas.microsoft.com/office/powerpoint/2010/main" val="1895720447"/>
+      </p:ext>
+    </p:extLst>
+  </p:cSld>
+  <p:clrMapOvr>
+    <a:masterClrMapping/>
+  </p:clrMapOvr>
+</p:sld>
+</file>
+
+<file path=ppt/slides/slide12.xml><?xml version="1.0" encoding="utf-8"?>
+<p:sld xmlns:a="http://schemas.openxmlformats.org/drawingml/2006/main" xmlns:r="http://schemas.openxmlformats.org/officeDocument/2006/relationships" xmlns:p="http://schemas.openxmlformats.org/presentationml/2006/main">
+  <p:cSld>
+    <p:spTree>
+      <p:nvGrpSpPr>
+        <p:cNvPr id="1" name=""/>
+        <p:cNvGrpSpPr/>
+        <p:nvPr/>
+      </p:nvGrpSpPr>
+      <p:grpSpPr>
+        <a:xfrm>
+          <a:off x="0" y="0"/>
+          <a:ext cx="0" cy="0"/>
+          <a:chOff x="0" y="0"/>
+          <a:chExt cx="0" cy="0"/>
+        </a:xfrm>
+      </p:grpSpPr>
+      <p:sp>
+        <p:nvSpPr>
+          <p:cNvPr id="2" name="Titolo 1"/>
+          <p:cNvSpPr>
+            <a:spLocks noGrp="1"/>
+          </p:cNvSpPr>
+          <p:nvPr>
+            <p:ph type="title"/>
+          </p:nvPr>
+        </p:nvSpPr>
+        <p:spPr>
+          <a:xfrm>
+            <a:off x="1246294" y="340360"/>
+            <a:ext cx="8596668" cy="1320800"/>
+          </a:xfrm>
+        </p:spPr>
+        <p:txBody>
+          <a:bodyPr>
+            <a:normAutofit/>
+          </a:bodyPr>
+          <a:lstStyle/>
+          <a:p>
+            <a:pPr algn="ctr"/>
+            <a:r>
+              <a:rPr lang="it-IT" sz="5400" dirty="0" err="1">
+                <a:solidFill>
+                  <a:schemeClr val="accent2"/>
+                </a:solidFill>
+              </a:rPr>
+              <a:t>Redmine</a:t>
+            </a:r>
+            <a:endParaRPr lang="it-IT" sz="5400" dirty="0"/>
+          </a:p>
+        </p:txBody>
+      </p:sp>
+      <p:pic>
+        <p:nvPicPr>
+          <p:cNvPr id="6" name="Immagine 5"/>
+          <p:cNvPicPr>
+            <a:picLocks noChangeAspect="1"/>
+          </p:cNvPicPr>
+          <p:nvPr/>
+        </p:nvPicPr>
+        <p:blipFill>
+          <a:blip r:embed="rId2"/>
+          <a:stretch>
+            <a:fillRect/>
+          </a:stretch>
+        </p:blipFill>
+        <p:spPr>
+          <a:xfrm>
+            <a:off x="2411038" y="1317588"/>
+            <a:ext cx="6678908" cy="2385731"/>
+          </a:xfrm>
+          <a:prstGeom prst="rect">
+            <a:avLst/>
+          </a:prstGeom>
+        </p:spPr>
+      </p:pic>
+      <p:pic>
+        <p:nvPicPr>
+          <p:cNvPr id="7" name="Immagine 6"/>
+          <p:cNvPicPr>
+            <a:picLocks noChangeAspect="1"/>
+          </p:cNvPicPr>
+          <p:nvPr/>
+        </p:nvPicPr>
+        <p:blipFill>
+          <a:blip r:embed="rId3"/>
+          <a:stretch>
+            <a:fillRect/>
+          </a:stretch>
+        </p:blipFill>
+        <p:spPr>
+          <a:xfrm>
+            <a:off x="2411038" y="3439160"/>
+            <a:ext cx="6678908" cy="3268979"/>
+          </a:xfrm>
+          <a:prstGeom prst="rect">
+            <a:avLst/>
+          </a:prstGeom>
+        </p:spPr>
+      </p:pic>
+      <p:pic>
+        <p:nvPicPr>
+          <p:cNvPr id="9" name="Immagine 8"/>
+          <p:cNvPicPr>
+            <a:picLocks noChangeAspect="1"/>
+          </p:cNvPicPr>
+          <p:nvPr/>
+        </p:nvPicPr>
+        <p:blipFill>
+          <a:blip r:embed="rId4"/>
+          <a:stretch>
+            <a:fillRect/>
+          </a:stretch>
+        </p:blipFill>
+        <p:spPr>
+          <a:xfrm>
+            <a:off x="6598920" y="1543685"/>
+            <a:ext cx="2183130" cy="853798"/>
+          </a:xfrm>
+          <a:prstGeom prst="rect">
+            <a:avLst/>
+          </a:prstGeom>
+        </p:spPr>
+      </p:pic>
+    </p:spTree>
+    <p:extLst>
+      <p:ext uri="{BB962C8B-B14F-4D97-AF65-F5344CB8AC3E}">
+        <p14:creationId xmlns:p14="http://schemas.microsoft.com/office/powerpoint/2010/main" val="4042347012"/>
+      </p:ext>
+    </p:extLst>
+  </p:cSld>
+  <p:clrMapOvr>
+    <a:masterClrMapping/>
+  </p:clrMapOvr>
+</p:sld>
+</file>
+
+<file path=ppt/slides/slide13.xml><?xml version="1.0" encoding="utf-8"?>
+<p:sld xmlns:a="http://schemas.openxmlformats.org/drawingml/2006/main" xmlns:r="http://schemas.openxmlformats.org/officeDocument/2006/relationships" xmlns:p="http://schemas.openxmlformats.org/presentationml/2006/main">
+  <p:cSld>
+    <p:spTree>
+      <p:nvGrpSpPr>
+        <p:cNvPr id="1" name=""/>
+        <p:cNvGrpSpPr/>
+        <p:nvPr/>
+      </p:nvGrpSpPr>
+      <p:grpSpPr>
+        <a:xfrm>
+          <a:off x="0" y="0"/>
+          <a:ext cx="0" cy="0"/>
+          <a:chOff x="0" y="0"/>
+          <a:chExt cx="0" cy="0"/>
+        </a:xfrm>
+      </p:grpSpPr>
+      <p:sp>
+        <p:nvSpPr>
+          <p:cNvPr id="2" name="Titolo 1"/>
+          <p:cNvSpPr>
+            <a:spLocks noGrp="1"/>
+          </p:cNvSpPr>
+          <p:nvPr>
+            <p:ph type="title"/>
+          </p:nvPr>
+        </p:nvSpPr>
+        <p:spPr/>
+        <p:txBody>
+          <a:bodyPr/>
+          <a:lstStyle/>
+          <a:p>
+            <a:endParaRPr lang="it-IT"/>
+          </a:p>
+        </p:txBody>
+      </p:sp>
+      <p:sp>
+        <p:nvSpPr>
+          <p:cNvPr id="3" name="Segnaposto contenuto 2"/>
+          <p:cNvSpPr>
+            <a:spLocks noGrp="1"/>
+          </p:cNvSpPr>
+          <p:nvPr>
+            <p:ph idx="1"/>
+          </p:nvPr>
+        </p:nvSpPr>
+        <p:spPr/>
+        <p:txBody>
+          <a:bodyPr/>
+          <a:lstStyle/>
+          <a:p>
+            <a:endParaRPr lang="it-IT"/>
+          </a:p>
+        </p:txBody>
+      </p:sp>
+      <p:sp>
+        <p:nvSpPr>
+          <p:cNvPr id="4" name="Titolo 1"/>
+          <p:cNvSpPr txBox="1">
+            <a:spLocks/>
+          </p:cNvSpPr>
+          <p:nvPr/>
+        </p:nvSpPr>
+        <p:spPr>
+          <a:xfrm>
+            <a:off x="1210734" y="2507618"/>
+            <a:ext cx="8596668" cy="3880773"/>
+          </a:xfrm>
+          <a:prstGeom prst="rect">
+            <a:avLst/>
+          </a:prstGeom>
+        </p:spPr>
+        <p:txBody>
+          <a:bodyPr vert="horz" lIns="91440" tIns="45720" rIns="91440" bIns="45720" rtlCol="0" anchor="t">
+            <a:normAutofit/>
+          </a:bodyPr>
+          <a:lstStyle>
+            <a:lvl1pPr marL="342900" indent="-342900" algn="l" defTabSz="457200" rtl="0" eaLnBrk="1" latinLnBrk="0" hangingPunct="1">
+              <a:spcBef>
+                <a:spcPct val="0"/>
+              </a:spcBef>
+              <a:spcAft>
+                <a:spcPts val="0"/>
+              </a:spcAft>
+              <a:buClr>
+                <a:schemeClr val="accent1"/>
+              </a:buClr>
+              <a:buSzPct val="80000"/>
+              <a:buFont typeface="Wingdings 3" charset="2"/>
+              <a:buNone/>
+              <a:defRPr sz="3600" kern="1200">
+                <a:solidFill>
+                  <a:schemeClr val="accent1"/>
+                </a:solidFill>
+                <a:latin typeface="+mj-lt"/>
+                <a:ea typeface="+mj-ea"/>
+                <a:cs typeface="+mj-cs"/>
+              </a:defRPr>
+            </a:lvl1pPr>
+            <a:lvl2pPr marL="742950" indent="-285750" algn="l" defTabSz="457200" rtl="0" eaLnBrk="1" latinLnBrk="0" hangingPunct="1">
+              <a:spcBef>
+                <a:spcPts val="1000"/>
+              </a:spcBef>
+              <a:spcAft>
+                <a:spcPts val="0"/>
+              </a:spcAft>
+              <a:buClr>
+                <a:schemeClr val="accent1"/>
+              </a:buClr>
+              <a:buSzPct val="80000"/>
+              <a:buFont typeface="Wingdings 3" charset="2"/>
+              <a:buChar char=""/>
+              <a:defRPr sz="1600" kern="1200">
+                <a:solidFill>
+                  <a:schemeClr val="tx2"/>
+                </a:solidFill>
+                <a:latin typeface="+mn-lt"/>
+                <a:ea typeface="+mn-ea"/>
+                <a:cs typeface="+mn-cs"/>
+              </a:defRPr>
+            </a:lvl2pPr>
+            <a:lvl3pPr marL="1143000" indent="-228600" algn="l" defTabSz="457200" rtl="0" eaLnBrk="1" latinLnBrk="0" hangingPunct="1">
+              <a:spcBef>
+                <a:spcPts val="1000"/>
+              </a:spcBef>
+              <a:spcAft>
+                <a:spcPts val="0"/>
+              </a:spcAft>
+              <a:buClr>
+                <a:schemeClr val="accent1"/>
+              </a:buClr>
+              <a:buSzPct val="80000"/>
+              <a:buFont typeface="Wingdings 3" charset="2"/>
+              <a:buChar char=""/>
+              <a:defRPr sz="1400" kern="1200">
+                <a:solidFill>
+                  <a:schemeClr val="tx2"/>
+                </a:solidFill>
+                <a:latin typeface="+mn-lt"/>
+                <a:ea typeface="+mn-ea"/>
+                <a:cs typeface="+mn-cs"/>
+              </a:defRPr>
+            </a:lvl3pPr>
+            <a:lvl4pPr marL="1600200" indent="-228600" algn="l" defTabSz="457200" rtl="0" eaLnBrk="1" latinLnBrk="0" hangingPunct="1">
+              <a:spcBef>
+                <a:spcPts val="1000"/>
+              </a:spcBef>
+              <a:spcAft>
+                <a:spcPts val="0"/>
+              </a:spcAft>
+              <a:buClr>
+                <a:schemeClr val="accent1"/>
+              </a:buClr>
+              <a:buSzPct val="80000"/>
+              <a:buFont typeface="Wingdings 3" charset="2"/>
+              <a:buChar char=""/>
+              <a:defRPr sz="1200" kern="1200">
+                <a:solidFill>
+                  <a:schemeClr val="tx2"/>
+                </a:solidFill>
+                <a:latin typeface="+mn-lt"/>
+                <a:ea typeface="+mn-ea"/>
+                <a:cs typeface="+mn-cs"/>
+              </a:defRPr>
+            </a:lvl4pPr>
+            <a:lvl5pPr marL="2057400" indent="-228600" algn="l" defTabSz="457200" rtl="0" eaLnBrk="1" latinLnBrk="0" hangingPunct="1">
+              <a:spcBef>
+                <a:spcPts val="1000"/>
+              </a:spcBef>
+              <a:spcAft>
+                <a:spcPts val="0"/>
+              </a:spcAft>
+              <a:buClr>
+                <a:schemeClr val="accent1"/>
+              </a:buClr>
+              <a:buSzPct val="80000"/>
+              <a:buFont typeface="Wingdings 3" charset="2"/>
+              <a:buChar char=""/>
+              <a:defRPr sz="1200" kern="1200">
+                <a:solidFill>
+                  <a:schemeClr val="tx2"/>
+                </a:solidFill>
+                <a:latin typeface="+mn-lt"/>
+                <a:ea typeface="+mn-ea"/>
+                <a:cs typeface="+mn-cs"/>
+              </a:defRPr>
+            </a:lvl5pPr>
+            <a:lvl6pPr marL="2514600" indent="-228600" algn="l" defTabSz="457200" rtl="0" eaLnBrk="1" latinLnBrk="0" hangingPunct="1">
+              <a:spcBef>
+                <a:spcPts val="1000"/>
+              </a:spcBef>
+              <a:spcAft>
+                <a:spcPts val="0"/>
+              </a:spcAft>
+              <a:buClr>
+                <a:schemeClr val="accent1"/>
+              </a:buClr>
+              <a:buSzPct val="80000"/>
+              <a:buFont typeface="Wingdings 3" charset="2"/>
+              <a:buChar char=""/>
+              <a:defRPr sz="1200" kern="1200">
+                <a:solidFill>
+                  <a:schemeClr val="tx2"/>
+                </a:solidFill>
+                <a:latin typeface="+mn-lt"/>
+                <a:ea typeface="+mn-ea"/>
+                <a:cs typeface="+mn-cs"/>
+              </a:defRPr>
+            </a:lvl6pPr>
+            <a:lvl7pPr marL="2971800" indent="-228600" algn="l" defTabSz="457200" rtl="0" eaLnBrk="1" latinLnBrk="0" hangingPunct="1">
+              <a:spcBef>
+                <a:spcPts val="1000"/>
+              </a:spcBef>
+              <a:spcAft>
+                <a:spcPts val="0"/>
+              </a:spcAft>
+              <a:buClr>
+                <a:schemeClr val="accent1"/>
+              </a:buClr>
+              <a:buSzPct val="80000"/>
+              <a:buFont typeface="Wingdings 3" charset="2"/>
+              <a:buChar char=""/>
+              <a:defRPr sz="1200" kern="1200">
+                <a:solidFill>
+                  <a:schemeClr val="tx2"/>
+                </a:solidFill>
+                <a:latin typeface="+mn-lt"/>
+                <a:ea typeface="+mn-ea"/>
+                <a:cs typeface="+mn-cs"/>
+              </a:defRPr>
+            </a:lvl7pPr>
+            <a:lvl8pPr marL="3429000" indent="-228600" algn="l" defTabSz="457200" rtl="0" eaLnBrk="1" latinLnBrk="0" hangingPunct="1">
+              <a:spcBef>
+                <a:spcPts val="1000"/>
+              </a:spcBef>
+              <a:spcAft>
+                <a:spcPts val="0"/>
+              </a:spcAft>
+              <a:buClr>
+                <a:schemeClr val="accent1"/>
+              </a:buClr>
+              <a:buSzPct val="80000"/>
+              <a:buFont typeface="Wingdings 3" charset="2"/>
+              <a:buChar char=""/>
+              <a:defRPr sz="1200" kern="1200">
+                <a:solidFill>
+                  <a:schemeClr val="tx2"/>
+                </a:solidFill>
+                <a:latin typeface="+mn-lt"/>
+                <a:ea typeface="+mn-ea"/>
+                <a:cs typeface="+mn-cs"/>
+              </a:defRPr>
+            </a:lvl8pPr>
+            <a:lvl9pPr marL="3886200" indent="-228600" algn="l" defTabSz="457200" rtl="0" eaLnBrk="1" latinLnBrk="0" hangingPunct="1">
+              <a:spcBef>
+                <a:spcPts val="1000"/>
+              </a:spcBef>
+              <a:spcAft>
+                <a:spcPts val="0"/>
+              </a:spcAft>
+              <a:buClr>
+                <a:schemeClr val="accent1"/>
+              </a:buClr>
+              <a:buSzPct val="80000"/>
+              <a:buFont typeface="Wingdings 3" charset="2"/>
+              <a:buChar char=""/>
+              <a:defRPr sz="1200" kern="1200">
+                <a:solidFill>
+                  <a:schemeClr val="tx2"/>
+                </a:solidFill>
+                <a:latin typeface="+mn-lt"/>
+                <a:ea typeface="+mn-ea"/>
+                <a:cs typeface="+mn-cs"/>
+              </a:defRPr>
+            </a:lvl9pPr>
+          </a:lstStyle>
+          <a:p>
+            <a:pPr algn="ctr"/>
+            <a:r>
+              <a:rPr lang="en-US" sz="8000" dirty="0">
+                <a:solidFill>
+                  <a:schemeClr val="accent2"/>
+                </a:solidFill>
+              </a:rPr>
+              <a:t>Gantt</a:t>
+            </a:r>
+            <a:endParaRPr lang="it-IT" sz="8000" dirty="0">
+              <a:solidFill>
+                <a:schemeClr val="accent2"/>
+              </a:solidFill>
+            </a:endParaRPr>
+          </a:p>
+        </p:txBody>
+      </p:sp>
+    </p:spTree>
+    <p:extLst>
+      <p:ext uri="{BB962C8B-B14F-4D97-AF65-F5344CB8AC3E}">
+        <p14:creationId xmlns:p14="http://schemas.microsoft.com/office/powerpoint/2010/main" val="3352940969"/>
+      </p:ext>
+    </p:extLst>
+  </p:cSld>
+  <p:clrMapOvr>
+    <a:masterClrMapping/>
+  </p:clrMapOvr>
+</p:sld>
+</file>
+
+<file path=ppt/slides/slide14.xml><?xml version="1.0" encoding="utf-8"?>
+<p:sld xmlns:a="http://schemas.openxmlformats.org/drawingml/2006/main" xmlns:r="http://schemas.openxmlformats.org/officeDocument/2006/relationships" xmlns:p="http://schemas.openxmlformats.org/presentationml/2006/main">
+  <p:cSld>
+    <p:spTree>
+      <p:nvGrpSpPr>
+        <p:cNvPr id="1" name=""/>
+        <p:cNvGrpSpPr/>
+        <p:nvPr/>
+      </p:nvGrpSpPr>
+      <p:grpSpPr>
+        <a:xfrm>
+          <a:off x="0" y="0"/>
+          <a:ext cx="0" cy="0"/>
+          <a:chOff x="0" y="0"/>
+          <a:chExt cx="0" cy="0"/>
+        </a:xfrm>
+      </p:grpSpPr>
+      <p:sp>
+        <p:nvSpPr>
+          <p:cNvPr id="2" name="Titolo 1"/>
+          <p:cNvSpPr>
+            <a:spLocks noGrp="1"/>
+          </p:cNvSpPr>
+          <p:nvPr>
+            <p:ph type="title"/>
+          </p:nvPr>
+        </p:nvSpPr>
+        <p:spPr>
+          <a:xfrm>
+            <a:off x="360108" y="609600"/>
+            <a:ext cx="9705802" cy="1320800"/>
+          </a:xfrm>
+        </p:spPr>
+        <p:txBody>
+          <a:bodyPr>
+            <a:noAutofit/>
+          </a:bodyPr>
+          <a:lstStyle/>
+          <a:p>
+            <a:r>
+              <a:rPr lang="en-US" sz="5400" dirty="0">
+                <a:solidFill>
+                  <a:schemeClr val="accent2"/>
+                </a:solidFill>
+              </a:rPr>
+              <a:t>Gantt, IP-core Manager v1.0</a:t>
+            </a:r>
+            <a:br>
+              <a:rPr lang="it-IT" sz="5400" dirty="0">
+                <a:solidFill>
+                  <a:schemeClr val="accent2"/>
+                </a:solidFill>
+              </a:rPr>
+            </a:br>
+            <a:endParaRPr lang="it-IT" sz="5400" dirty="0"/>
+          </a:p>
+        </p:txBody>
+      </p:sp>
+      <p:pic>
+        <p:nvPicPr>
+          <p:cNvPr id="4" name="Segnaposto contenuto 3"/>
+          <p:cNvPicPr>
+            <a:picLocks noGrp="1" noChangeAspect="1"/>
+          </p:cNvPicPr>
+          <p:nvPr>
+            <p:ph idx="1"/>
+          </p:nvPr>
+        </p:nvPicPr>
+        <p:blipFill>
+          <a:blip r:embed="rId2"/>
+          <a:stretch>
+            <a:fillRect/>
+          </a:stretch>
+        </p:blipFill>
+        <p:spPr>
+          <a:xfrm>
+            <a:off x="360108" y="1813560"/>
+            <a:ext cx="11158530" cy="4653280"/>
+          </a:xfrm>
+          <a:prstGeom prst="rect">
+            <a:avLst/>
+          </a:prstGeom>
+        </p:spPr>
+      </p:pic>
+    </p:spTree>
+    <p:extLst>
+      <p:ext uri="{BB962C8B-B14F-4D97-AF65-F5344CB8AC3E}">
+        <p14:creationId xmlns:p14="http://schemas.microsoft.com/office/powerpoint/2010/main" val="3195279742"/>
+      </p:ext>
+    </p:extLst>
+  </p:cSld>
+  <p:clrMapOvr>
+    <a:masterClrMapping/>
+  </p:clrMapOvr>
+</p:sld>
+</file>
+
+<file path=ppt/slides/slide15.xml><?xml version="1.0" encoding="utf-8"?>
+<p:sld xmlns:a="http://schemas.openxmlformats.org/drawingml/2006/main" xmlns:r="http://schemas.openxmlformats.org/officeDocument/2006/relationships" xmlns:p="http://schemas.openxmlformats.org/presentationml/2006/main">
+  <p:cSld>
+    <p:spTree>
+      <p:nvGrpSpPr>
+        <p:cNvPr id="1" name=""/>
+        <p:cNvGrpSpPr/>
+        <p:nvPr/>
+      </p:nvGrpSpPr>
+      <p:grpSpPr>
+        <a:xfrm>
+          <a:off x="0" y="0"/>
+          <a:ext cx="0" cy="0"/>
+          <a:chOff x="0" y="0"/>
+          <a:chExt cx="0" cy="0"/>
+        </a:xfrm>
+      </p:grpSpPr>
+      <p:pic>
+        <p:nvPicPr>
+          <p:cNvPr id="4" name="Segnaposto contenuto 3"/>
+          <p:cNvPicPr>
+            <a:picLocks noGrp="1" noChangeAspect="1"/>
+          </p:cNvPicPr>
+          <p:nvPr>
+            <p:ph idx="1"/>
+          </p:nvPr>
+        </p:nvPicPr>
+        <p:blipFill>
+          <a:blip r:embed="rId2"/>
+          <a:stretch>
+            <a:fillRect/>
+          </a:stretch>
+        </p:blipFill>
+        <p:spPr>
+          <a:xfrm>
+            <a:off x="1280160" y="1500383"/>
+            <a:ext cx="8412480" cy="5245660"/>
+          </a:xfrm>
+          <a:prstGeom prst="rect">
+            <a:avLst/>
+          </a:prstGeom>
+        </p:spPr>
+      </p:pic>
+      <p:sp>
+        <p:nvSpPr>
+          <p:cNvPr id="5" name="Rettangolo 4"/>
+          <p:cNvSpPr/>
+          <p:nvPr/>
+        </p:nvSpPr>
+        <p:spPr>
+          <a:xfrm>
+            <a:off x="551180" y="494715"/>
+            <a:ext cx="9499600" cy="1754326"/>
+          </a:xfrm>
+          <a:prstGeom prst="rect">
+            <a:avLst/>
+          </a:prstGeom>
+        </p:spPr>
+        <p:txBody>
+          <a:bodyPr wrap="square">
+            <a:spAutoFit/>
+          </a:bodyPr>
+          <a:lstStyle/>
+          <a:p>
+            <a:r>
+              <a:rPr lang="en-US" sz="5400" dirty="0">
+                <a:solidFill>
+                  <a:schemeClr val="accent2"/>
+                </a:solidFill>
+              </a:rPr>
+              <a:t>Gantt, IP-core Manager v2.0</a:t>
+            </a:r>
+            <a:br>
+              <a:rPr lang="it-IT" sz="5400" dirty="0">
+                <a:solidFill>
+                  <a:schemeClr val="accent2"/>
+                </a:solidFill>
+              </a:rPr>
+            </a:br>
+            <a:endParaRPr lang="it-IT" sz="5400" dirty="0"/>
+          </a:p>
+        </p:txBody>
+      </p:sp>
+    </p:spTree>
+    <p:extLst>
+      <p:ext uri="{BB962C8B-B14F-4D97-AF65-F5344CB8AC3E}">
+        <p14:creationId xmlns:p14="http://schemas.microsoft.com/office/powerpoint/2010/main" val="1633418803"/>
+      </p:ext>
+    </p:extLst>
+  </p:cSld>
+  <p:clrMapOvr>
+    <a:masterClrMapping/>
+  </p:clrMapOvr>
+</p:sld>
+</file>
+
+<file path=ppt/slides/slide16.xml><?xml version="1.0" encoding="utf-8"?>
+<p:sld xmlns:a="http://schemas.openxmlformats.org/drawingml/2006/main" xmlns:r="http://schemas.openxmlformats.org/officeDocument/2006/relationships" xmlns:p="http://schemas.openxmlformats.org/presentationml/2006/main">
+  <p:cSld>
+    <p:spTree>
+      <p:nvGrpSpPr>
+        <p:cNvPr id="1" name=""/>
+        <p:cNvGrpSpPr/>
+        <p:nvPr/>
+      </p:nvGrpSpPr>
+      <p:grpSpPr>
+        <a:xfrm>
+          <a:off x="0" y="0"/>
+          <a:ext cx="0" cy="0"/>
+          <a:chOff x="0" y="0"/>
+          <a:chExt cx="0" cy="0"/>
+        </a:xfrm>
+      </p:grpSpPr>
+      <p:sp>
+        <p:nvSpPr>
+          <p:cNvPr id="2" name="Titolo 1"/>
+          <p:cNvSpPr>
+            <a:spLocks noGrp="1"/>
+          </p:cNvSpPr>
+          <p:nvPr>
+            <p:ph type="title"/>
+          </p:nvPr>
+        </p:nvSpPr>
+        <p:spPr/>
+        <p:txBody>
+          <a:bodyPr/>
+          <a:lstStyle/>
+          <a:p>
+            <a:endParaRPr lang="it-IT"/>
+          </a:p>
+        </p:txBody>
+      </p:sp>
+      <p:sp>
+        <p:nvSpPr>
+          <p:cNvPr id="4" name="Titolo 1"/>
+          <p:cNvSpPr txBox="1">
+            <a:spLocks noGrp="1"/>
+          </p:cNvSpPr>
+          <p:nvPr>
+            <p:ph idx="1"/>
+          </p:nvPr>
+        </p:nvSpPr>
+        <p:spPr>
+          <a:xfrm>
+            <a:off x="1175174" y="1930400"/>
+            <a:ext cx="8596668" cy="3880773"/>
+          </a:xfrm>
+          <a:prstGeom prst="rect">
+            <a:avLst/>
+          </a:prstGeom>
+        </p:spPr>
+        <p:txBody>
+          <a:bodyPr vert="horz" lIns="91440" tIns="45720" rIns="91440" bIns="45720" rtlCol="0" anchor="t">
+            <a:normAutofit/>
+          </a:bodyPr>
+          <a:lstStyle>
+            <a:lvl1pPr algn="l" defTabSz="457200" rtl="0" eaLnBrk="1" latinLnBrk="0" hangingPunct="1">
+              <a:spcBef>
+                <a:spcPct val="0"/>
+              </a:spcBef>
+              <a:buNone/>
+              <a:defRPr sz="3600" kern="1200">
+                <a:solidFill>
+                  <a:schemeClr val="accent1"/>
+                </a:solidFill>
+                <a:latin typeface="+mj-lt"/>
+                <a:ea typeface="+mj-ea"/>
+                <a:cs typeface="+mj-cs"/>
+              </a:defRPr>
+            </a:lvl1pPr>
+            <a:lvl2pPr eaLnBrk="1" hangingPunct="1">
+              <a:defRPr>
+                <a:solidFill>
+                  <a:schemeClr val="tx2"/>
+                </a:solidFill>
+              </a:defRPr>
+            </a:lvl2pPr>
+            <a:lvl3pPr eaLnBrk="1" hangingPunct="1">
+              <a:defRPr>
+                <a:solidFill>
+                  <a:schemeClr val="tx2"/>
+                </a:solidFill>
+              </a:defRPr>
+            </a:lvl3pPr>
+            <a:lvl4pPr eaLnBrk="1" hangingPunct="1">
+              <a:defRPr>
+                <a:solidFill>
+                  <a:schemeClr val="tx2"/>
+                </a:solidFill>
+              </a:defRPr>
+            </a:lvl4pPr>
+            <a:lvl5pPr eaLnBrk="1" hangingPunct="1">
+              <a:defRPr>
+                <a:solidFill>
+                  <a:schemeClr val="tx2"/>
+                </a:solidFill>
+              </a:defRPr>
+            </a:lvl5pPr>
+            <a:lvl6pPr eaLnBrk="1" hangingPunct="1">
+              <a:defRPr>
+                <a:solidFill>
+                  <a:schemeClr val="tx2"/>
+                </a:solidFill>
+              </a:defRPr>
+            </a:lvl6pPr>
+            <a:lvl7pPr eaLnBrk="1" hangingPunct="1">
+              <a:defRPr>
+                <a:solidFill>
+                  <a:schemeClr val="tx2"/>
+                </a:solidFill>
+              </a:defRPr>
+            </a:lvl7pPr>
+            <a:lvl8pPr eaLnBrk="1" hangingPunct="1">
+              <a:defRPr>
+                <a:solidFill>
+                  <a:schemeClr val="tx2"/>
+                </a:solidFill>
+              </a:defRPr>
+            </a:lvl8pPr>
+            <a:lvl9pPr eaLnBrk="1" hangingPunct="1">
+              <a:defRPr>
+                <a:solidFill>
+                  <a:schemeClr val="tx2"/>
+                </a:solidFill>
+              </a:defRPr>
+            </a:lvl9pPr>
+          </a:lstStyle>
+          <a:p>
+            <a:pPr algn="ctr"/>
+            <a:r>
+              <a:rPr lang="en-US" sz="8000" dirty="0">
+                <a:solidFill>
+                  <a:schemeClr val="accent2"/>
+                </a:solidFill>
+              </a:rPr>
+              <a:t>Difficulties encountered</a:t>
+            </a:r>
+            <a:endParaRPr lang="it-IT" sz="8000" dirty="0">
+              <a:solidFill>
+                <a:schemeClr val="accent2"/>
+              </a:solidFill>
+            </a:endParaRPr>
+          </a:p>
+        </p:txBody>
+      </p:sp>
+    </p:spTree>
+    <p:extLst>
+      <p:ext uri="{BB962C8B-B14F-4D97-AF65-F5344CB8AC3E}">
+        <p14:creationId xmlns:p14="http://schemas.microsoft.com/office/powerpoint/2010/main" val="171881333"/>
+      </p:ext>
+    </p:extLst>
+  </p:cSld>
+  <p:clrMapOvr>
+    <a:masterClrMapping/>
+  </p:clrMapOvr>
+</p:sld>
+</file>
+
+<file path=ppt/slides/slide17.xml><?xml version="1.0" encoding="utf-8"?>
+<p:sld xmlns:a="http://schemas.openxmlformats.org/drawingml/2006/main" xmlns:r="http://schemas.openxmlformats.org/officeDocument/2006/relationships" xmlns:p="http://schemas.openxmlformats.org/presentationml/2006/main">
+  <p:cSld>
+    <p:spTree>
+      <p:nvGrpSpPr>
+        <p:cNvPr id="1" name=""/>
+        <p:cNvGrpSpPr/>
+        <p:nvPr/>
+      </p:nvGrpSpPr>
+      <p:grpSpPr>
+        <a:xfrm>
+          <a:off x="0" y="0"/>
+          <a:ext cx="0" cy="0"/>
+          <a:chOff x="0" y="0"/>
+          <a:chExt cx="0" cy="0"/>
+        </a:xfrm>
+      </p:grpSpPr>
+      <p:sp>
+        <p:nvSpPr>
+          <p:cNvPr id="2" name="Titolo 1"/>
+          <p:cNvSpPr>
+            <a:spLocks noGrp="1"/>
+          </p:cNvSpPr>
+          <p:nvPr>
+            <p:ph type="title"/>
+          </p:nvPr>
+        </p:nvSpPr>
+        <p:spPr/>
+        <p:txBody>
+          <a:bodyPr/>
+          <a:lstStyle/>
+          <a:p>
+            <a:endParaRPr lang="it-IT" dirty="0"/>
+          </a:p>
+        </p:txBody>
+      </p:sp>
+      <p:sp>
+        <p:nvSpPr>
+          <p:cNvPr id="6" name="Segnaposto contenuto 5"/>
+          <p:cNvSpPr>
+            <a:spLocks noGrp="1"/>
+          </p:cNvSpPr>
+          <p:nvPr>
+            <p:ph idx="1"/>
+          </p:nvPr>
+        </p:nvSpPr>
+        <p:spPr/>
+        <p:txBody>
+          <a:bodyPr/>
+          <a:lstStyle/>
+          <a:p>
+            <a:endParaRPr lang="it-IT"/>
+          </a:p>
+        </p:txBody>
+      </p:sp>
+      <p:pic>
+        <p:nvPicPr>
+          <p:cNvPr id="7" name="Immagine 6"/>
+          <p:cNvPicPr>
+            <a:picLocks noChangeAspect="1"/>
+          </p:cNvPicPr>
+          <p:nvPr/>
+        </p:nvPicPr>
+        <p:blipFill>
+          <a:blip r:embed="rId2"/>
+          <a:stretch>
+            <a:fillRect/>
+          </a:stretch>
+        </p:blipFill>
+        <p:spPr>
+          <a:xfrm>
+            <a:off x="50801" y="0"/>
+            <a:ext cx="12141199" cy="6898550"/>
+          </a:xfrm>
+          <a:prstGeom prst="rect">
+            <a:avLst/>
+          </a:prstGeom>
+        </p:spPr>
+      </p:pic>
+    </p:spTree>
+    <p:extLst>
+      <p:ext uri="{BB962C8B-B14F-4D97-AF65-F5344CB8AC3E}">
+        <p14:creationId xmlns:p14="http://schemas.microsoft.com/office/powerpoint/2010/main" val="1944822065"/>
+      </p:ext>
+    </p:extLst>
+  </p:cSld>
+  <p:clrMapOvr>
+    <a:masterClrMapping/>
+  </p:clrMapOvr>
+</p:sld>
+</file>
+
 <file path=ppt/slides/slide2.xml><?xml version="1.0" encoding="utf-8"?>
+<p:sld xmlns:a="http://schemas.openxmlformats.org/drawingml/2006/main" xmlns:r="http://schemas.openxmlformats.org/officeDocument/2006/relationships" xmlns:p="http://schemas.openxmlformats.org/presentationml/2006/main">
+  <p:cSld>
+    <p:spTree>
+      <p:nvGrpSpPr>
+        <p:cNvPr id="1" name=""/>
+        <p:cNvGrpSpPr/>
+        <p:nvPr/>
+      </p:nvGrpSpPr>
+      <p:grpSpPr>
+        <a:xfrm>
+          <a:off x="0" y="0"/>
+          <a:ext cx="0" cy="0"/>
+          <a:chOff x="0" y="0"/>
+          <a:chExt cx="0" cy="0"/>
+        </a:xfrm>
+      </p:grpSpPr>
+      <p:sp>
+        <p:nvSpPr>
+          <p:cNvPr id="4" name="Titolo 1"/>
+          <p:cNvSpPr txBox="1">
+            <a:spLocks/>
+          </p:cNvSpPr>
+          <p:nvPr/>
+        </p:nvSpPr>
+        <p:spPr>
+          <a:xfrm>
+            <a:off x="834191" y="1884036"/>
+            <a:ext cx="9473129" cy="3008003"/>
+          </a:xfrm>
+          <a:prstGeom prst="rect">
+            <a:avLst/>
+          </a:prstGeom>
+        </p:spPr>
+        <p:txBody>
+          <a:bodyPr vert="horz" lIns="91440" tIns="45720" rIns="91440" bIns="45720" rtlCol="0" anchor="t">
+            <a:normAutofit/>
+          </a:bodyPr>
+          <a:lstStyle>
+            <a:lvl1pPr algn="l" defTabSz="457200" rtl="0" eaLnBrk="1" latinLnBrk="0" hangingPunct="1">
+              <a:spcBef>
+                <a:spcPct val="0"/>
+              </a:spcBef>
+              <a:buNone/>
+              <a:defRPr sz="3600" kern="1200">
+                <a:solidFill>
+                  <a:schemeClr val="accent1"/>
+                </a:solidFill>
+                <a:latin typeface="+mj-lt"/>
+                <a:ea typeface="+mj-ea"/>
+                <a:cs typeface="+mj-cs"/>
+              </a:defRPr>
+            </a:lvl1pPr>
+            <a:lvl2pPr eaLnBrk="1" hangingPunct="1">
+              <a:defRPr>
+                <a:solidFill>
+                  <a:schemeClr val="tx2"/>
+                </a:solidFill>
+              </a:defRPr>
+            </a:lvl2pPr>
+            <a:lvl3pPr eaLnBrk="1" hangingPunct="1">
+              <a:defRPr>
+                <a:solidFill>
+                  <a:schemeClr val="tx2"/>
+                </a:solidFill>
+              </a:defRPr>
+            </a:lvl3pPr>
+            <a:lvl4pPr eaLnBrk="1" hangingPunct="1">
+              <a:defRPr>
+                <a:solidFill>
+                  <a:schemeClr val="tx2"/>
+                </a:solidFill>
+              </a:defRPr>
+            </a:lvl4pPr>
+            <a:lvl5pPr eaLnBrk="1" hangingPunct="1">
+              <a:defRPr>
+                <a:solidFill>
+                  <a:schemeClr val="tx2"/>
+                </a:solidFill>
+              </a:defRPr>
+            </a:lvl5pPr>
+            <a:lvl6pPr eaLnBrk="1" hangingPunct="1">
+              <a:defRPr>
+                <a:solidFill>
+                  <a:schemeClr val="tx2"/>
+                </a:solidFill>
+              </a:defRPr>
+            </a:lvl6pPr>
+            <a:lvl7pPr eaLnBrk="1" hangingPunct="1">
+              <a:defRPr>
+                <a:solidFill>
+                  <a:schemeClr val="tx2"/>
+                </a:solidFill>
+              </a:defRPr>
+            </a:lvl7pPr>
+            <a:lvl8pPr eaLnBrk="1" hangingPunct="1">
+              <a:defRPr>
+                <a:solidFill>
+                  <a:schemeClr val="tx2"/>
+                </a:solidFill>
+              </a:defRPr>
+            </a:lvl8pPr>
+            <a:lvl9pPr eaLnBrk="1" hangingPunct="1">
+              <a:defRPr>
+                <a:solidFill>
+                  <a:schemeClr val="tx2"/>
+                </a:solidFill>
+              </a:defRPr>
+            </a:lvl9pPr>
+          </a:lstStyle>
+          <a:p>
+            <a:pPr algn="ctr"/>
+            <a:r>
+              <a:rPr lang="en-US" sz="8000" dirty="0" err="1">
+                <a:solidFill>
+                  <a:schemeClr val="accent2"/>
+                </a:solidFill>
+              </a:rPr>
+              <a:t>Synthesys</a:t>
+            </a:r>
+            <a:r>
+              <a:rPr lang="en-US" sz="8000" dirty="0">
+                <a:solidFill>
+                  <a:schemeClr val="accent2"/>
+                </a:solidFill>
+              </a:rPr>
+              <a:t> </a:t>
+            </a:r>
+          </a:p>
+          <a:p>
+            <a:pPr algn="ctr"/>
+            <a:r>
+              <a:rPr lang="en-US" sz="8000" dirty="0">
+                <a:solidFill>
+                  <a:schemeClr val="accent2"/>
+                </a:solidFill>
+              </a:rPr>
+              <a:t>Report</a:t>
+            </a:r>
+            <a:endParaRPr lang="it-IT" sz="8000" dirty="0">
+              <a:solidFill>
+                <a:schemeClr val="accent2"/>
+              </a:solidFill>
+            </a:endParaRPr>
+          </a:p>
+        </p:txBody>
+      </p:sp>
+    </p:spTree>
+    <p:extLst>
+      <p:ext uri="{BB962C8B-B14F-4D97-AF65-F5344CB8AC3E}">
+        <p14:creationId xmlns:p14="http://schemas.microsoft.com/office/powerpoint/2010/main" val="3780566626"/>
+      </p:ext>
+    </p:extLst>
+  </p:cSld>
+  <p:clrMapOvr>
+    <a:masterClrMapping/>
+  </p:clrMapOvr>
+</p:sld>
+</file>
+
+<file path=ppt/slides/slide3.xml><?xml version="1.0" encoding="utf-8"?>
 <p:sld xmlns:a="http://schemas.openxmlformats.org/drawingml/2006/main" xmlns:r="http://schemas.openxmlformats.org/officeDocument/2006/relationships" xmlns:p="http://schemas.openxmlformats.org/presentationml/2006/main">
   <p:cSld>
     <p:spTree>
@@ -6150,7 +7503,7 @@
 </p:sld>
 </file>
 
-<file path=ppt/slides/slide3.xml><?xml version="1.0" encoding="utf-8"?>
+<file path=ppt/slides/slide4.xml><?xml version="1.0" encoding="utf-8"?>
 <p:sld xmlns:a="http://schemas.openxmlformats.org/drawingml/2006/main" xmlns:r="http://schemas.openxmlformats.org/officeDocument/2006/relationships" xmlns:p="http://schemas.openxmlformats.org/presentationml/2006/main">
   <p:cSld>
     <p:spTree>
@@ -6204,7 +7557,7 @@
 </p:sld>
 </file>
 
-<file path=ppt/slides/slide4.xml><?xml version="1.0" encoding="utf-8"?>
+<file path=ppt/slides/slide5.xml><?xml version="1.0" encoding="utf-8"?>
 <p:sld xmlns:a="http://schemas.openxmlformats.org/drawingml/2006/main" xmlns:r="http://schemas.openxmlformats.org/officeDocument/2006/relationships" xmlns:p="http://schemas.openxmlformats.org/presentationml/2006/main">
   <p:cSld>
     <p:spTree>
@@ -6347,7 +7700,7 @@
 </p:sld>
 </file>
 
-<file path=ppt/slides/slide5.xml><?xml version="1.0" encoding="utf-8"?>
+<file path=ppt/slides/slide6.xml><?xml version="1.0" encoding="utf-8"?>
 <p:sld xmlns:a="http://schemas.openxmlformats.org/drawingml/2006/main" xmlns:r="http://schemas.openxmlformats.org/officeDocument/2006/relationships" xmlns:p="http://schemas.openxmlformats.org/presentationml/2006/main">
   <p:cSld>
     <p:spTree>
@@ -6444,7 +7797,7 @@
 </p:sld>
 </file>
 
-<file path=ppt/slides/slide6.xml><?xml version="1.0" encoding="utf-8"?>
+<file path=ppt/slides/slide7.xml><?xml version="1.0" encoding="utf-8"?>
 <p:sld xmlns:a="http://schemas.openxmlformats.org/drawingml/2006/main" xmlns:r="http://schemas.openxmlformats.org/officeDocument/2006/relationships" xmlns:p="http://schemas.openxmlformats.org/presentationml/2006/main">
   <p:cSld>
     <p:spTree>
@@ -6572,7 +7925,7 @@
 </p:sld>
 </file>
 
-<file path=ppt/slides/slide7.xml><?xml version="1.0" encoding="utf-8"?>
+<file path=ppt/slides/slide8.xml><?xml version="1.0" encoding="utf-8"?>
 <p:sld xmlns:a="http://schemas.openxmlformats.org/drawingml/2006/main" xmlns:r="http://schemas.openxmlformats.org/officeDocument/2006/relationships" xmlns:p="http://schemas.openxmlformats.org/presentationml/2006/main">
   <p:cSld>
     <p:spTree>
@@ -6655,6 +8008,160 @@
     <p:extLst>
       <p:ext uri="{BB962C8B-B14F-4D97-AF65-F5344CB8AC3E}">
         <p14:creationId xmlns:p14="http://schemas.microsoft.com/office/powerpoint/2010/main" val="1595105770"/>
+      </p:ext>
+    </p:extLst>
+  </p:cSld>
+  <p:clrMapOvr>
+    <a:masterClrMapping/>
+  </p:clrMapOvr>
+</p:sld>
+</file>
+
+<file path=ppt/slides/slide9.xml><?xml version="1.0" encoding="utf-8"?>
+<p:sld xmlns:a="http://schemas.openxmlformats.org/drawingml/2006/main" xmlns:r="http://schemas.openxmlformats.org/officeDocument/2006/relationships" xmlns:p="http://schemas.openxmlformats.org/presentationml/2006/main">
+  <p:cSld>
+    <p:spTree>
+      <p:nvGrpSpPr>
+        <p:cNvPr id="1" name=""/>
+        <p:cNvGrpSpPr/>
+        <p:nvPr/>
+      </p:nvGrpSpPr>
+      <p:grpSpPr>
+        <a:xfrm>
+          <a:off x="0" y="0"/>
+          <a:ext cx="0" cy="0"/>
+          <a:chOff x="0" y="0"/>
+          <a:chExt cx="0" cy="0"/>
+        </a:xfrm>
+      </p:grpSpPr>
+      <p:sp>
+        <p:nvSpPr>
+          <p:cNvPr id="4" name="Titolo 1"/>
+          <p:cNvSpPr txBox="1">
+            <a:spLocks noGrp="1"/>
+          </p:cNvSpPr>
+          <p:nvPr>
+            <p:ph idx="1"/>
+          </p:nvPr>
+        </p:nvSpPr>
+        <p:spPr>
+          <a:xfrm>
+            <a:off x="1281854" y="1652589"/>
+            <a:ext cx="8596668" cy="3880773"/>
+          </a:xfrm>
+          <a:prstGeom prst="rect">
+            <a:avLst/>
+          </a:prstGeom>
+        </p:spPr>
+        <p:txBody>
+          <a:bodyPr vert="horz" lIns="91440" tIns="45720" rIns="91440" bIns="45720" rtlCol="0" anchor="t">
+            <a:normAutofit/>
+          </a:bodyPr>
+          <a:lstStyle>
+            <a:lvl1pPr algn="l" defTabSz="457200" rtl="0" eaLnBrk="1" latinLnBrk="0" hangingPunct="1">
+              <a:spcBef>
+                <a:spcPct val="0"/>
+              </a:spcBef>
+              <a:buNone/>
+              <a:defRPr sz="3600" kern="1200">
+                <a:solidFill>
+                  <a:schemeClr val="accent1"/>
+                </a:solidFill>
+                <a:latin typeface="+mj-lt"/>
+                <a:ea typeface="+mj-ea"/>
+                <a:cs typeface="+mj-cs"/>
+              </a:defRPr>
+            </a:lvl1pPr>
+            <a:lvl2pPr eaLnBrk="1" hangingPunct="1">
+              <a:defRPr>
+                <a:solidFill>
+                  <a:schemeClr val="tx2"/>
+                </a:solidFill>
+              </a:defRPr>
+            </a:lvl2pPr>
+            <a:lvl3pPr eaLnBrk="1" hangingPunct="1">
+              <a:defRPr>
+                <a:solidFill>
+                  <a:schemeClr val="tx2"/>
+                </a:solidFill>
+              </a:defRPr>
+            </a:lvl3pPr>
+            <a:lvl4pPr eaLnBrk="1" hangingPunct="1">
+              <a:defRPr>
+                <a:solidFill>
+                  <a:schemeClr val="tx2"/>
+                </a:solidFill>
+              </a:defRPr>
+            </a:lvl4pPr>
+            <a:lvl5pPr eaLnBrk="1" hangingPunct="1">
+              <a:defRPr>
+                <a:solidFill>
+                  <a:schemeClr val="tx2"/>
+                </a:solidFill>
+              </a:defRPr>
+            </a:lvl5pPr>
+            <a:lvl6pPr eaLnBrk="1" hangingPunct="1">
+              <a:defRPr>
+                <a:solidFill>
+                  <a:schemeClr val="tx2"/>
+                </a:solidFill>
+              </a:defRPr>
+            </a:lvl6pPr>
+            <a:lvl7pPr eaLnBrk="1" hangingPunct="1">
+              <a:defRPr>
+                <a:solidFill>
+                  <a:schemeClr val="tx2"/>
+                </a:solidFill>
+              </a:defRPr>
+            </a:lvl7pPr>
+            <a:lvl8pPr eaLnBrk="1" hangingPunct="1">
+              <a:defRPr>
+                <a:solidFill>
+                  <a:schemeClr val="tx2"/>
+                </a:solidFill>
+              </a:defRPr>
+            </a:lvl8pPr>
+            <a:lvl9pPr eaLnBrk="1" hangingPunct="1">
+              <a:defRPr>
+                <a:solidFill>
+                  <a:schemeClr val="tx2"/>
+                </a:solidFill>
+              </a:defRPr>
+            </a:lvl9pPr>
+          </a:lstStyle>
+          <a:p>
+            <a:pPr algn="ctr"/>
+            <a:r>
+              <a:rPr lang="en-US" sz="8000" dirty="0">
+                <a:solidFill>
+                  <a:schemeClr val="accent2"/>
+                </a:solidFill>
+              </a:rPr>
+              <a:t>Project</a:t>
+            </a:r>
+          </a:p>
+          <a:p>
+            <a:pPr algn="ctr"/>
+            <a:r>
+              <a:rPr lang="en-US" sz="8000" dirty="0">
+                <a:solidFill>
+                  <a:schemeClr val="accent2"/>
+                </a:solidFill>
+              </a:rPr>
+              <a:t>Organization</a:t>
+            </a:r>
+            <a:endParaRPr lang="it-IT" sz="8000" dirty="0">
+              <a:solidFill>
+                <a:schemeClr val="accent2"/>
+              </a:solidFill>
+            </a:endParaRPr>
+          </a:p>
+        </p:txBody>
+      </p:sp>
+    </p:spTree>
+    <p:extLst>
+      <p:ext uri="{BB962C8B-B14F-4D97-AF65-F5344CB8AC3E}">
+        <p14:creationId xmlns:p14="http://schemas.microsoft.com/office/powerpoint/2010/main" val="135662661"/>
       </p:ext>
     </p:extLst>
   </p:cSld>
